--- a/presentati/primer_mesyachnogo_otcheta.pptx
+++ b/presentati/primer_mesyachnogo_otcheta.pptx
@@ -213,7 +213,7 @@
           <a:p>
             <a:fld id="{44A24EF8-80C7-9147-9FC6-30ABE53D858F}" type="datetimeFigureOut">
               <a:rPr lang="en-US" smtClean="0"/>
-              <a:t>4/12/18</a:t>
+              <a:t>4/13/18</a:t>
             </a:fld>
             <a:endParaRPr lang="en-US"/>
           </a:p>
@@ -780,7 +780,7 @@
           <a:p>
             <a:fld id="{9011C05E-7A93-DA41-8296-607378BACD3D}" type="datetimeFigureOut">
               <a:rPr lang="ru-RU" smtClean="0"/>
-              <a:t>12.04.18</a:t>
+              <a:t>13.04.18</a:t>
             </a:fld>
             <a:endParaRPr lang="ru-RU"/>
           </a:p>
@@ -950,7 +950,7 @@
           <a:p>
             <a:fld id="{9011C05E-7A93-DA41-8296-607378BACD3D}" type="datetimeFigureOut">
               <a:rPr lang="ru-RU" smtClean="0"/>
-              <a:t>12.04.18</a:t>
+              <a:t>13.04.18</a:t>
             </a:fld>
             <a:endParaRPr lang="ru-RU"/>
           </a:p>
@@ -1130,7 +1130,7 @@
           <a:p>
             <a:fld id="{9011C05E-7A93-DA41-8296-607378BACD3D}" type="datetimeFigureOut">
               <a:rPr lang="ru-RU" smtClean="0"/>
-              <a:t>12.04.18</a:t>
+              <a:t>13.04.18</a:t>
             </a:fld>
             <a:endParaRPr lang="ru-RU"/>
           </a:p>
@@ -1300,7 +1300,7 @@
           <a:p>
             <a:fld id="{9011C05E-7A93-DA41-8296-607378BACD3D}" type="datetimeFigureOut">
               <a:rPr lang="ru-RU" smtClean="0"/>
-              <a:t>12.04.18</a:t>
+              <a:t>13.04.18</a:t>
             </a:fld>
             <a:endParaRPr lang="ru-RU"/>
           </a:p>
@@ -1546,7 +1546,7 @@
           <a:p>
             <a:fld id="{9011C05E-7A93-DA41-8296-607378BACD3D}" type="datetimeFigureOut">
               <a:rPr lang="ru-RU" smtClean="0"/>
-              <a:t>12.04.18</a:t>
+              <a:t>13.04.18</a:t>
             </a:fld>
             <a:endParaRPr lang="ru-RU"/>
           </a:p>
@@ -1778,7 +1778,7 @@
           <a:p>
             <a:fld id="{9011C05E-7A93-DA41-8296-607378BACD3D}" type="datetimeFigureOut">
               <a:rPr lang="ru-RU" smtClean="0"/>
-              <a:t>12.04.18</a:t>
+              <a:t>13.04.18</a:t>
             </a:fld>
             <a:endParaRPr lang="ru-RU"/>
           </a:p>
@@ -2145,7 +2145,7 @@
           <a:p>
             <a:fld id="{9011C05E-7A93-DA41-8296-607378BACD3D}" type="datetimeFigureOut">
               <a:rPr lang="ru-RU" smtClean="0"/>
-              <a:t>12.04.18</a:t>
+              <a:t>13.04.18</a:t>
             </a:fld>
             <a:endParaRPr lang="ru-RU"/>
           </a:p>
@@ -2263,7 +2263,7 @@
           <a:p>
             <a:fld id="{9011C05E-7A93-DA41-8296-607378BACD3D}" type="datetimeFigureOut">
               <a:rPr lang="ru-RU" smtClean="0"/>
-              <a:t>12.04.18</a:t>
+              <a:t>13.04.18</a:t>
             </a:fld>
             <a:endParaRPr lang="ru-RU"/>
           </a:p>
@@ -2358,7 +2358,7 @@
           <a:p>
             <a:fld id="{9011C05E-7A93-DA41-8296-607378BACD3D}" type="datetimeFigureOut">
               <a:rPr lang="ru-RU" smtClean="0"/>
-              <a:t>12.04.18</a:t>
+              <a:t>13.04.18</a:t>
             </a:fld>
             <a:endParaRPr lang="ru-RU"/>
           </a:p>
@@ -2635,7 +2635,7 @@
           <a:p>
             <a:fld id="{9011C05E-7A93-DA41-8296-607378BACD3D}" type="datetimeFigureOut">
               <a:rPr lang="ru-RU" smtClean="0"/>
-              <a:t>12.04.18</a:t>
+              <a:t>13.04.18</a:t>
             </a:fld>
             <a:endParaRPr lang="ru-RU"/>
           </a:p>
@@ -2888,7 +2888,7 @@
           <a:p>
             <a:fld id="{9011C05E-7A93-DA41-8296-607378BACD3D}" type="datetimeFigureOut">
               <a:rPr lang="ru-RU" smtClean="0"/>
-              <a:t>12.04.18</a:t>
+              <a:t>13.04.18</a:t>
             </a:fld>
             <a:endParaRPr lang="ru-RU"/>
           </a:p>
@@ -3101,7 +3101,7 @@
           <a:p>
             <a:fld id="{9011C05E-7A93-DA41-8296-607378BACD3D}" type="datetimeFigureOut">
               <a:rPr lang="ru-RU" smtClean="0"/>
-              <a:t>12.04.18</a:t>
+              <a:t>13.04.18</a:t>
             </a:fld>
             <a:endParaRPr lang="ru-RU"/>
           </a:p>
@@ -6909,7 +6909,7 @@
           <a:p>
             <a:pPr algn="ctr"/>
             <a:r>
-              <a:rPr lang="ru-RU" sz="2800" dirty="0" smtClean="0">
+              <a:rPr lang="ru-RU" sz="2500" dirty="0" smtClean="0">
                 <a:solidFill>
                   <a:srgbClr val="6B6B6B"/>
                 </a:solidFill>
@@ -6919,7 +6919,7 @@
               </a:rPr>
               <a:t>ПОЛУЧЕННЫЙ РЕЗУЛЬТАТ В КЛЮЧЕВЫХ ПОКАЗАТЕЛЯХ И ГРАФИКАХ</a:t>
             </a:r>
-            <a:endParaRPr lang="ru-RU" sz="2800" dirty="0">
+            <a:endParaRPr lang="ru-RU" sz="2500" dirty="0">
               <a:solidFill>
                 <a:srgbClr val="6B6B6B"/>
               </a:solidFill>
@@ -6961,7 +6961,7 @@
                 <a:ea typeface="Museo Sans Cyrl 100" charset="0"/>
                 <a:cs typeface="Museo Sans Cyrl 100" charset="0"/>
               </a:rPr>
-              <a:t> </a:t>
+              <a:t>Количество </a:t>
             </a:r>
             <a:r>
               <a:rPr lang="ru-RU" sz="2400" dirty="0">
@@ -6972,7 +6972,7 @@
                 <a:ea typeface="Museo Sans Cyrl 100" charset="0"/>
                 <a:cs typeface="Museo Sans Cyrl 100" charset="0"/>
               </a:rPr>
-              <a:t>Количество отзывов и сообщений, носящих позитивный характер, за отчетный месяц увеличилось </a:t>
+              <a:t>отзывов и сообщений, носящих позитивный характер, за отчетный месяц увеличилось </a:t>
             </a:r>
             <a:r>
               <a:rPr lang="ru-RU" sz="2400" dirty="0" smtClean="0">
@@ -7026,7 +7026,7 @@
                 <a:ea typeface="Museo Sans Cyrl 100" charset="0"/>
                 <a:cs typeface="Museo Sans Cyrl 100" charset="0"/>
               </a:rPr>
-              <a:t> </a:t>
+              <a:t>За </a:t>
             </a:r>
             <a:r>
               <a:rPr lang="ru-RU" sz="2400" dirty="0">
@@ -7037,7 +7037,7 @@
                 <a:ea typeface="Museo Sans Cyrl 100" charset="0"/>
                 <a:cs typeface="Museo Sans Cyrl 100" charset="0"/>
               </a:rPr>
-              <a:t>За отчетный месяц появилось </a:t>
+              <a:t>отчетный месяц появилось </a:t>
             </a:r>
             <a:r>
               <a:rPr lang="ru-RU" sz="2400" b="1" dirty="0" smtClean="0">
@@ -7102,7 +7102,7 @@
                 <a:ea typeface="Museo Sans Cyrl 100" charset="0"/>
                 <a:cs typeface="Museo Sans Cyrl 100" charset="0"/>
               </a:rPr>
-              <a:t> </a:t>
+              <a:t>За </a:t>
             </a:r>
             <a:r>
               <a:rPr lang="ru-RU" sz="2400" dirty="0">
@@ -7113,7 +7113,7 @@
                 <a:ea typeface="Museo Sans Cyrl 100" charset="0"/>
                 <a:cs typeface="Museo Sans Cyrl 100" charset="0"/>
               </a:rPr>
-              <a:t>За отчетный месяц появилось </a:t>
+              <a:t>отчетный месяц появилось </a:t>
             </a:r>
             <a:r>
               <a:rPr lang="ru-RU" sz="2400" b="1" dirty="0" smtClean="0">
@@ -7146,7 +7146,51 @@
                 <a:ea typeface="Museo Sans Cyrl 100" charset="0"/>
                 <a:cs typeface="Museo Sans Cyrl 100" charset="0"/>
               </a:rPr>
-              <a:t>не имеющих определенной тональности, носящих информационный характер или вопрос. </a:t>
+              <a:t>не имеющих </a:t>
+            </a:r>
+            <a:r>
+              <a:rPr lang="ru-RU" sz="2400" dirty="0" smtClean="0">
+                <a:solidFill>
+                  <a:srgbClr val="6B6B6B"/>
+                </a:solidFill>
+                <a:latin typeface="Museo Sans Cyrl 100" charset="0"/>
+                <a:ea typeface="Museo Sans Cyrl 100" charset="0"/>
+                <a:cs typeface="Museo Sans Cyrl 100" charset="0"/>
+              </a:rPr>
+              <a:t>определенной</a:t>
+            </a:r>
+            <a:r>
+              <a:rPr lang="en-US" sz="2400" dirty="0" smtClean="0">
+                <a:solidFill>
+                  <a:srgbClr val="6B6B6B"/>
+                </a:solidFill>
+                <a:latin typeface="Museo Sans Cyrl 100" charset="0"/>
+                <a:ea typeface="Museo Sans Cyrl 100" charset="0"/>
+                <a:cs typeface="Museo Sans Cyrl 100" charset="0"/>
+              </a:rPr>
+              <a:t> </a:t>
+            </a:r>
+            <a:r>
+              <a:rPr lang="ru-RU" sz="2400" dirty="0" smtClean="0">
+                <a:solidFill>
+                  <a:srgbClr val="6B6B6B"/>
+                </a:solidFill>
+                <a:latin typeface="Museo Sans Cyrl 100" charset="0"/>
+                <a:ea typeface="Museo Sans Cyrl 100" charset="0"/>
+                <a:cs typeface="Museo Sans Cyrl 100" charset="0"/>
+              </a:rPr>
+              <a:t>тональности</a:t>
+            </a:r>
+            <a:r>
+              <a:rPr lang="ru-RU" sz="2400" dirty="0">
+                <a:solidFill>
+                  <a:srgbClr val="6B6B6B"/>
+                </a:solidFill>
+                <a:latin typeface="Museo Sans Cyrl 100" charset="0"/>
+                <a:ea typeface="Museo Sans Cyrl 100" charset="0"/>
+                <a:cs typeface="Museo Sans Cyrl 100" charset="0"/>
+              </a:rPr>
+              <a:t>, носящих информационный характер или вопрос. </a:t>
             </a:r>
           </a:p>
           <a:p>
